--- a/PPT/Hackathon PPT.pptx
+++ b/PPT/Hackathon PPT.pptx
@@ -14722,25 +14722,31 @@
           <a:lstStyle/>
           <a:p>
             <a:r>
-              <a:rPr lang="en-US" sz="1300" dirty="0"/>
+              <a:rPr lang="en-US" sz="1400" dirty="0"/>
               <a:t>Mongo DB- MongoDB is a cross-platform document-oriented database program. Classified as a NoSQL database program, MongoDB uses JSON-like documents with schema</a:t>
             </a:r>
           </a:p>
           <a:p>
             <a:r>
-              <a:rPr lang="en-US" sz="1300" dirty="0"/>
+              <a:rPr lang="en-US" sz="1400" dirty="0"/>
               <a:t>Express JS- Express.js, or simply Express, is a web application framework for Node.js. It is designed for building web applications and APIs</a:t>
             </a:r>
           </a:p>
           <a:p>
             <a:r>
-              <a:rPr lang="en-US" sz="1300" dirty="0"/>
-              <a:t>Angular- Angular is a TypeScript-based open-source web application framework led by the Angular Team at Google and by a community of individuals and corporations. Angular is a complete rewrite from the same team that built AngularJS</a:t>
+              <a:rPr lang="en-US" sz="1400" dirty="0"/>
+              <a:t>Angular- Angular is a TypeScript-based open-source web application framework led by the Angular Team at Google and by a community of individuals and corporations</a:t>
             </a:r>
           </a:p>
           <a:p>
             <a:r>
-              <a:rPr lang="en-US" sz="1300" dirty="0"/>
+              <a:rPr lang="en-US" sz="1400" dirty="0"/>
+              <a:t>Ionic- Ionic is a complete open-source SDK for hybrid mobile app development</a:t>
+            </a:r>
+          </a:p>
+          <a:p>
+            <a:r>
+              <a:rPr lang="en-US" sz="1400" dirty="0"/>
               <a:t>Node JS- Node.js is an open-source, cross-platform, JavaScript runtime environment that executes JavaScript code outside of a web browser</a:t>
             </a:r>
           </a:p>
